--- a/ohio2016/misc/workflow.pptx
+++ b/ohio2016/misc/workflow.pptx
@@ -241,7 +241,7 @@
           <a:p>
             <a:fld id="{D71EEA80-C17C-46E7-B6EA-4BE8EC031341}" type="datetimeFigureOut">
               <a:rPr lang="en-US" smtClean="0"/>
-              <a:t>11/18/2016</a:t>
+              <a:t>12/2/2016</a:t>
             </a:fld>
             <a:endParaRPr lang="en-US"/>
           </a:p>
@@ -409,7 +409,7 @@
           <a:p>
             <a:fld id="{D71EEA80-C17C-46E7-B6EA-4BE8EC031341}" type="datetimeFigureOut">
               <a:rPr lang="en-US" smtClean="0"/>
-              <a:t>11/18/2016</a:t>
+              <a:t>12/2/2016</a:t>
             </a:fld>
             <a:endParaRPr lang="en-US"/>
           </a:p>
@@ -587,7 +587,7 @@
           <a:p>
             <a:fld id="{D71EEA80-C17C-46E7-B6EA-4BE8EC031341}" type="datetimeFigureOut">
               <a:rPr lang="en-US" smtClean="0"/>
-              <a:t>11/18/2016</a:t>
+              <a:t>12/2/2016</a:t>
             </a:fld>
             <a:endParaRPr lang="en-US"/>
           </a:p>
@@ -755,7 +755,7 @@
           <a:p>
             <a:fld id="{D71EEA80-C17C-46E7-B6EA-4BE8EC031341}" type="datetimeFigureOut">
               <a:rPr lang="en-US" smtClean="0"/>
-              <a:t>11/18/2016</a:t>
+              <a:t>12/2/2016</a:t>
             </a:fld>
             <a:endParaRPr lang="en-US"/>
           </a:p>
@@ -1000,7 +1000,7 @@
           <a:p>
             <a:fld id="{D71EEA80-C17C-46E7-B6EA-4BE8EC031341}" type="datetimeFigureOut">
               <a:rPr lang="en-US" smtClean="0"/>
-              <a:t>11/18/2016</a:t>
+              <a:t>12/2/2016</a:t>
             </a:fld>
             <a:endParaRPr lang="en-US"/>
           </a:p>
@@ -1229,7 +1229,7 @@
           <a:p>
             <a:fld id="{D71EEA80-C17C-46E7-B6EA-4BE8EC031341}" type="datetimeFigureOut">
               <a:rPr lang="en-US" smtClean="0"/>
-              <a:t>11/18/2016</a:t>
+              <a:t>12/2/2016</a:t>
             </a:fld>
             <a:endParaRPr lang="en-US"/>
           </a:p>
@@ -1593,7 +1593,7 @@
           <a:p>
             <a:fld id="{D71EEA80-C17C-46E7-B6EA-4BE8EC031341}" type="datetimeFigureOut">
               <a:rPr lang="en-US" smtClean="0"/>
-              <a:t>11/18/2016</a:t>
+              <a:t>12/2/2016</a:t>
             </a:fld>
             <a:endParaRPr lang="en-US"/>
           </a:p>
@@ -1710,7 +1710,7 @@
           <a:p>
             <a:fld id="{D71EEA80-C17C-46E7-B6EA-4BE8EC031341}" type="datetimeFigureOut">
               <a:rPr lang="en-US" smtClean="0"/>
-              <a:t>11/18/2016</a:t>
+              <a:t>12/2/2016</a:t>
             </a:fld>
             <a:endParaRPr lang="en-US"/>
           </a:p>
@@ -1805,7 +1805,7 @@
           <a:p>
             <a:fld id="{D71EEA80-C17C-46E7-B6EA-4BE8EC031341}" type="datetimeFigureOut">
               <a:rPr lang="en-US" smtClean="0"/>
-              <a:t>11/18/2016</a:t>
+              <a:t>12/2/2016</a:t>
             </a:fld>
             <a:endParaRPr lang="en-US"/>
           </a:p>
@@ -2080,7 +2080,7 @@
           <a:p>
             <a:fld id="{D71EEA80-C17C-46E7-B6EA-4BE8EC031341}" type="datetimeFigureOut">
               <a:rPr lang="en-US" smtClean="0"/>
-              <a:t>11/18/2016</a:t>
+              <a:t>12/2/2016</a:t>
             </a:fld>
             <a:endParaRPr lang="en-US"/>
           </a:p>
@@ -2332,7 +2332,7 @@
           <a:p>
             <a:fld id="{D71EEA80-C17C-46E7-B6EA-4BE8EC031341}" type="datetimeFigureOut">
               <a:rPr lang="en-US" smtClean="0"/>
-              <a:t>11/18/2016</a:t>
+              <a:t>12/2/2016</a:t>
             </a:fld>
             <a:endParaRPr lang="en-US"/>
           </a:p>
@@ -2543,7 +2543,7 @@
           <a:p>
             <a:fld id="{D71EEA80-C17C-46E7-B6EA-4BE8EC031341}" type="datetimeFigureOut">
               <a:rPr lang="en-US" smtClean="0"/>
-              <a:t>11/18/2016</a:t>
+              <a:t>12/2/2016</a:t>
             </a:fld>
             <a:endParaRPr lang="en-US"/>
           </a:p>
@@ -3016,8 +3016,8 @@
         </p:nvSpPr>
         <p:spPr>
           <a:xfrm>
-            <a:off x="5427925" y="4427711"/>
-            <a:ext cx="1580882" cy="492443"/>
+            <a:off x="5511249" y="4427711"/>
+            <a:ext cx="1414233" cy="369332"/>
           </a:xfrm>
           <a:prstGeom prst="rect">
             <a:avLst/>
@@ -3036,13 +3036,6 @@
               <a:t>grtsWgtAdj.R</a:t>
             </a:r>
             <a:endParaRPr lang="en-US" dirty="0"/>
-          </a:p>
-          <a:p>
-            <a:pPr algn="ctr"/>
-            <a:r>
-              <a:rPr lang="en-US" sz="800" dirty="0"/>
-              <a:t>Expand to include other variables</a:t>
-            </a:r>
           </a:p>
         </p:txBody>
       </p:sp>
@@ -3193,7 +3186,7 @@
         <p:spPr>
           <a:xfrm>
             <a:off x="5198280" y="1053800"/>
-            <a:ext cx="2040174" cy="369332"/>
+            <a:ext cx="2112951" cy="369332"/>
           </a:xfrm>
           <a:prstGeom prst="rect">
             <a:avLst/>
@@ -3208,7 +3201,7 @@
           <a:p>
             <a:r>
               <a:rPr lang="en-US" dirty="0" err="1"/>
-              <a:t>calculateDiffusion.R</a:t>
+              <a:t>calculateEmissions.R</a:t>
             </a:r>
             <a:endParaRPr lang="en-US" dirty="0"/>
           </a:p>
@@ -3227,72 +3220,6 @@
           <a:xfrm flipV="1">
             <a:off x="3113411" y="1238466"/>
             <a:ext cx="2084869" cy="815335"/>
-          </a:xfrm>
-          <a:prstGeom prst="straightConnector1">
-            <a:avLst/>
-          </a:prstGeom>
-          <a:ln>
-            <a:tailEnd type="triangle"/>
-          </a:ln>
-        </p:spPr>
-        <p:style>
-          <a:lnRef idx="1">
-            <a:schemeClr val="accent1"/>
-          </a:lnRef>
-          <a:fillRef idx="0">
-            <a:schemeClr val="accent1"/>
-          </a:fillRef>
-          <a:effectRef idx="0">
-            <a:schemeClr val="accent1"/>
-          </a:effectRef>
-          <a:fontRef idx="minor">
-            <a:schemeClr val="tx1"/>
-          </a:fontRef>
-        </p:style>
-      </p:cxnSp>
-      <p:sp>
-        <p:nvSpPr>
-          <p:cNvPr id="24" name="TextBox 23"/>
-          <p:cNvSpPr txBox="1"/>
-          <p:nvPr/>
-        </p:nvSpPr>
-        <p:spPr>
-          <a:xfrm>
-            <a:off x="8161140" y="1060436"/>
-            <a:ext cx="2085699" cy="369332"/>
-          </a:xfrm>
-          <a:prstGeom prst="rect">
-            <a:avLst/>
-          </a:prstGeom>
-          <a:noFill/>
-        </p:spPr>
-        <p:txBody>
-          <a:bodyPr wrap="none" rtlCol="0">
-            <a:spAutoFit/>
-          </a:bodyPr>
-          <a:lstStyle/>
-          <a:p>
-            <a:r>
-              <a:rPr lang="en-US" dirty="0" err="1"/>
-              <a:t>calculateEbullition.R</a:t>
-            </a:r>
-            <a:endParaRPr lang="en-US" dirty="0"/>
-          </a:p>
-        </p:txBody>
-      </p:sp>
-      <p:cxnSp>
-        <p:nvCxnSpPr>
-          <p:cNvPr id="29" name="Straight Arrow Connector 28"/>
-          <p:cNvCxnSpPr>
-            <a:stCxn id="4" idx="0"/>
-            <a:endCxn id="24" idx="1"/>
-          </p:cNvCxnSpPr>
-          <p:nvPr/>
-        </p:nvCxnSpPr>
-        <p:spPr>
-          <a:xfrm flipV="1">
-            <a:off x="6205372" y="1245102"/>
-            <a:ext cx="1955768" cy="1719958"/>
           </a:xfrm>
           <a:prstGeom prst="straightConnector1">
             <a:avLst/>
@@ -3328,7 +3255,7 @@
         <p:spPr>
           <a:xfrm flipV="1">
             <a:off x="6205372" y="1423132"/>
-            <a:ext cx="12995" cy="1541928"/>
+            <a:ext cx="49384" cy="1541928"/>
           </a:xfrm>
           <a:prstGeom prst="straightConnector1">
             <a:avLst/>
@@ -3397,8 +3324,8 @@
         </p:nvCxnSpPr>
         <p:spPr>
           <a:xfrm flipH="1">
-            <a:off x="4372743" y="1238466"/>
-            <a:ext cx="825537" cy="2783255"/>
+            <a:off x="4372744" y="1238466"/>
+            <a:ext cx="825536" cy="2783255"/>
           </a:xfrm>
           <a:prstGeom prst="straightConnector1">
             <a:avLst/>
@@ -3422,42 +3349,6 @@
           </a:fontRef>
         </p:style>
       </p:cxnSp>
-      <p:cxnSp>
-        <p:nvCxnSpPr>
-          <p:cNvPr id="57" name="Straight Arrow Connector 56"/>
-          <p:cNvCxnSpPr>
-            <a:stCxn id="24" idx="2"/>
-            <a:endCxn id="83" idx="3"/>
-          </p:cNvCxnSpPr>
-          <p:nvPr/>
-        </p:nvCxnSpPr>
-        <p:spPr>
-          <a:xfrm flipH="1">
-            <a:off x="4897983" y="1429768"/>
-            <a:ext cx="4306007" cy="2591954"/>
-          </a:xfrm>
-          <a:prstGeom prst="straightConnector1">
-            <a:avLst/>
-          </a:prstGeom>
-          <a:ln>
-            <a:tailEnd type="triangle"/>
-          </a:ln>
-        </p:spPr>
-        <p:style>
-          <a:lnRef idx="1">
-            <a:schemeClr val="accent1"/>
-          </a:lnRef>
-          <a:fillRef idx="0">
-            <a:schemeClr val="accent1"/>
-          </a:fillRef>
-          <a:effectRef idx="0">
-            <a:schemeClr val="accent1"/>
-          </a:effectRef>
-          <a:fontRef idx="minor">
-            <a:schemeClr val="tx1"/>
-          </a:fontRef>
-        </p:style>
-      </p:cxnSp>
       <p:sp>
         <p:nvSpPr>
           <p:cNvPr id="61" name="TextBox 60"/>
@@ -3467,7 +3358,7 @@
         <p:spPr>
           <a:xfrm>
             <a:off x="5153011" y="5652822"/>
-            <a:ext cx="2130711" cy="369332"/>
+            <a:ext cx="2076209" cy="523220"/>
           </a:xfrm>
           <a:prstGeom prst="rect">
             <a:avLst/>
@@ -3485,6 +3376,12 @@
               <a:t>grtsMeanVariance.R</a:t>
             </a:r>
             <a:endParaRPr lang="en-US" dirty="0"/>
+          </a:p>
+          <a:p>
+            <a:r>
+              <a:rPr lang="en-US" sz="1000" dirty="0"/>
+              <a:t>Expand to include other variables</a:t>
+            </a:r>
           </a:p>
         </p:txBody>
       </p:sp>
@@ -3498,9 +3395,9 @@
           <p:nvPr/>
         </p:nvCxnSpPr>
         <p:spPr>
-          <a:xfrm>
-            <a:off x="6218366" y="4920154"/>
-            <a:ext cx="1" cy="732668"/>
+          <a:xfrm flipH="1">
+            <a:off x="6191116" y="4797043"/>
+            <a:ext cx="27250" cy="855779"/>
           </a:xfrm>
           <a:prstGeom prst="straightConnector1">
             <a:avLst/>
@@ -3595,14 +3492,13 @@
           <p:cNvPr id="71" name="Straight Arrow Connector 70"/>
           <p:cNvCxnSpPr>
             <a:stCxn id="66" idx="0"/>
-            <a:endCxn id="24" idx="2"/>
           </p:cNvCxnSpPr>
           <p:nvPr/>
         </p:nvCxnSpPr>
         <p:spPr>
           <a:xfrm flipH="1" flipV="1">
-            <a:off x="9203990" y="1429768"/>
-            <a:ext cx="417157" cy="1535292"/>
+            <a:off x="7372101" y="1548384"/>
+            <a:ext cx="2249046" cy="1416676"/>
           </a:xfrm>
           <a:prstGeom prst="straightConnector1">
             <a:avLst/>
@@ -3764,9 +3660,9 @@
           <p:nvPr/>
         </p:nvCxnSpPr>
         <p:spPr>
-          <a:xfrm>
-            <a:off x="7283722" y="5837488"/>
-            <a:ext cx="754042" cy="0"/>
+          <a:xfrm flipV="1">
+            <a:off x="7229220" y="5837488"/>
+            <a:ext cx="808544" cy="76944"/>
           </a:xfrm>
           <a:prstGeom prst="straightConnector1">
             <a:avLst/>
@@ -4428,7 +4324,7 @@
 </file>
 
 <file path=customXml/itemProps1.xml><?xml version="1.0" encoding="utf-8"?>
-<ds:datastoreItem xmlns:ds="http://schemas.openxmlformats.org/officeDocument/2006/customXml" ds:itemID="{BB5AB5D2-405C-46AA-A3B7-0F5A35B8BC00}">
+<ds:datastoreItem xmlns:ds="http://schemas.openxmlformats.org/officeDocument/2006/customXml" ds:itemID="{99DE5F60-45F3-4D7F-B656-63378C9B6AC0}">
   <ds:schemaRefs>
     <ds:schemaRef ds:uri="ESRI.ArcGIS.Mapping.OfficeIntegration.PowerPointInfo"/>
   </ds:schemaRefs>
@@ -4444,7 +4340,7 @@
 </file>
 
 <file path=customXml/itemProps3.xml><?xml version="1.0" encoding="utf-8"?>
-<ds:datastoreItem xmlns:ds="http://schemas.openxmlformats.org/officeDocument/2006/customXml" ds:itemID="{99DE5F60-45F3-4D7F-B656-63378C9B6AC0}">
+<ds:datastoreItem xmlns:ds="http://schemas.openxmlformats.org/officeDocument/2006/customXml" ds:itemID="{BB5AB5D2-405C-46AA-A3B7-0F5A35B8BC00}">
   <ds:schemaRefs>
     <ds:schemaRef ds:uri="ESRI.ArcGIS.Mapping.OfficeIntegration.PowerPointInfo"/>
   </ds:schemaRefs>
